--- a/Springer_UAV_book/Pictures/Fig5.pptx
+++ b/Springer_UAV_book/Pictures/Fig5.pptx
@@ -289,7 +289,7 @@
             <a:fld id="{1D8BD707-D9CF-40AE-B4C6-C98DA3205C09}" type="datetimeFigureOut">
               <a:rPr lang="en-US" smtClean="0"/>
               <a:pPr/>
-              <a:t>4/11/2012</a:t>
+              <a:t>4/13/2012</a:t>
             </a:fld>
             <a:endParaRPr lang="en-US"/>
           </a:p>
@@ -456,7 +456,7 @@
             <a:fld id="{1D8BD707-D9CF-40AE-B4C6-C98DA3205C09}" type="datetimeFigureOut">
               <a:rPr lang="en-US" smtClean="0"/>
               <a:pPr/>
-              <a:t>4/11/2012</a:t>
+              <a:t>4/13/2012</a:t>
             </a:fld>
             <a:endParaRPr lang="en-US"/>
           </a:p>
@@ -633,7 +633,7 @@
             <a:fld id="{1D8BD707-D9CF-40AE-B4C6-C98DA3205C09}" type="datetimeFigureOut">
               <a:rPr lang="en-US" smtClean="0"/>
               <a:pPr/>
-              <a:t>4/11/2012</a:t>
+              <a:t>4/13/2012</a:t>
             </a:fld>
             <a:endParaRPr lang="en-US"/>
           </a:p>
@@ -800,7 +800,7 @@
             <a:fld id="{1D8BD707-D9CF-40AE-B4C6-C98DA3205C09}" type="datetimeFigureOut">
               <a:rPr lang="en-US" smtClean="0"/>
               <a:pPr/>
-              <a:t>4/11/2012</a:t>
+              <a:t>4/13/2012</a:t>
             </a:fld>
             <a:endParaRPr lang="en-US"/>
           </a:p>
@@ -1043,7 +1043,7 @@
             <a:fld id="{1D8BD707-D9CF-40AE-B4C6-C98DA3205C09}" type="datetimeFigureOut">
               <a:rPr lang="en-US" smtClean="0"/>
               <a:pPr/>
-              <a:t>4/11/2012</a:t>
+              <a:t>4/13/2012</a:t>
             </a:fld>
             <a:endParaRPr lang="en-US"/>
           </a:p>
@@ -1328,7 +1328,7 @@
             <a:fld id="{1D8BD707-D9CF-40AE-B4C6-C98DA3205C09}" type="datetimeFigureOut">
               <a:rPr lang="en-US" smtClean="0"/>
               <a:pPr/>
-              <a:t>4/11/2012</a:t>
+              <a:t>4/13/2012</a:t>
             </a:fld>
             <a:endParaRPr lang="en-US"/>
           </a:p>
@@ -1747,7 +1747,7 @@
             <a:fld id="{1D8BD707-D9CF-40AE-B4C6-C98DA3205C09}" type="datetimeFigureOut">
               <a:rPr lang="en-US" smtClean="0"/>
               <a:pPr/>
-              <a:t>4/11/2012</a:t>
+              <a:t>4/13/2012</a:t>
             </a:fld>
             <a:endParaRPr lang="en-US"/>
           </a:p>
@@ -1862,7 +1862,7 @@
             <a:fld id="{1D8BD707-D9CF-40AE-B4C6-C98DA3205C09}" type="datetimeFigureOut">
               <a:rPr lang="en-US" smtClean="0"/>
               <a:pPr/>
-              <a:t>4/11/2012</a:t>
+              <a:t>4/13/2012</a:t>
             </a:fld>
             <a:endParaRPr lang="en-US"/>
           </a:p>
@@ -1954,7 +1954,7 @@
             <a:fld id="{1D8BD707-D9CF-40AE-B4C6-C98DA3205C09}" type="datetimeFigureOut">
               <a:rPr lang="en-US" smtClean="0"/>
               <a:pPr/>
-              <a:t>4/11/2012</a:t>
+              <a:t>4/13/2012</a:t>
             </a:fld>
             <a:endParaRPr lang="en-US"/>
           </a:p>
@@ -2228,7 +2228,7 @@
             <a:fld id="{1D8BD707-D9CF-40AE-B4C6-C98DA3205C09}" type="datetimeFigureOut">
               <a:rPr lang="en-US" smtClean="0"/>
               <a:pPr/>
-              <a:t>4/11/2012</a:t>
+              <a:t>4/13/2012</a:t>
             </a:fld>
             <a:endParaRPr lang="en-US"/>
           </a:p>
@@ -2478,7 +2478,7 @@
             <a:fld id="{1D8BD707-D9CF-40AE-B4C6-C98DA3205C09}" type="datetimeFigureOut">
               <a:rPr lang="en-US" smtClean="0"/>
               <a:pPr/>
-              <a:t>4/11/2012</a:t>
+              <a:t>4/13/2012</a:t>
             </a:fld>
             <a:endParaRPr lang="en-US"/>
           </a:p>
@@ -2688,7 +2688,7 @@
             <a:fld id="{1D8BD707-D9CF-40AE-B4C6-C98DA3205C09}" type="datetimeFigureOut">
               <a:rPr lang="en-US" smtClean="0"/>
               <a:pPr/>
-              <a:t>4/11/2012</a:t>
+              <a:t>4/13/2012</a:t>
             </a:fld>
             <a:endParaRPr lang="en-US"/>
           </a:p>
@@ -3529,13 +3529,7 @@
               <a:rPr lang="en-US" sz="1400" dirty="0" smtClean="0">
                 <a:latin typeface="Garamond" pitchFamily="18" charset="0"/>
               </a:rPr>
-              <a:t>Down, </a:t>
-            </a:r>
-            <a:r>
-              <a:rPr lang="en-US" sz="1400" dirty="0" smtClean="0">
-                <a:latin typeface="Garamond" pitchFamily="18" charset="0"/>
-              </a:rPr>
-              <a:t>towards the Earth center</a:t>
+              <a:t>Down, towards the Earth center</a:t>
             </a:r>
             <a:endParaRPr lang="en-US" sz="1400" dirty="0">
               <a:latin typeface="Garamond" pitchFamily="18" charset="0"/>
@@ -4136,12 +4130,12 @@
           <p:nvPr/>
         </p:nvGraphicFramePr>
         <p:xfrm>
-          <a:off x="4140200" y="2209800"/>
-          <a:ext cx="330200" cy="422275"/>
+          <a:off x="4198938" y="2303463"/>
+          <a:ext cx="211137" cy="234950"/>
         </p:xfrm>
         <a:graphic>
           <a:graphicData uri="http://schemas.openxmlformats.org/presentationml/2006/ole">
-            <p:oleObj spid="_x0000_s28694" name="Equation" r:id="rId14" imgW="177480" imgH="228600" progId="Equation.DSMT4">
+            <p:oleObj spid="_x0000_s28694" name="Equation" r:id="rId14" imgW="114120" imgH="126720" progId="Equation.DSMT4">
               <p:embed/>
             </p:oleObj>
           </a:graphicData>

--- a/Springer_UAV_book/Pictures/Fig5.pptx
+++ b/Springer_UAV_book/Pictures/Fig5.pptx
@@ -289,7 +289,7 @@
             <a:fld id="{1D8BD707-D9CF-40AE-B4C6-C98DA3205C09}" type="datetimeFigureOut">
               <a:rPr lang="en-US" smtClean="0"/>
               <a:pPr/>
-              <a:t>4/13/2012</a:t>
+              <a:t>8/22/2012</a:t>
             </a:fld>
             <a:endParaRPr lang="en-US"/>
           </a:p>
@@ -456,7 +456,7 @@
             <a:fld id="{1D8BD707-D9CF-40AE-B4C6-C98DA3205C09}" type="datetimeFigureOut">
               <a:rPr lang="en-US" smtClean="0"/>
               <a:pPr/>
-              <a:t>4/13/2012</a:t>
+              <a:t>8/22/2012</a:t>
             </a:fld>
             <a:endParaRPr lang="en-US"/>
           </a:p>
@@ -633,7 +633,7 @@
             <a:fld id="{1D8BD707-D9CF-40AE-B4C6-C98DA3205C09}" type="datetimeFigureOut">
               <a:rPr lang="en-US" smtClean="0"/>
               <a:pPr/>
-              <a:t>4/13/2012</a:t>
+              <a:t>8/22/2012</a:t>
             </a:fld>
             <a:endParaRPr lang="en-US"/>
           </a:p>
@@ -800,7 +800,7 @@
             <a:fld id="{1D8BD707-D9CF-40AE-B4C6-C98DA3205C09}" type="datetimeFigureOut">
               <a:rPr lang="en-US" smtClean="0"/>
               <a:pPr/>
-              <a:t>4/13/2012</a:t>
+              <a:t>8/22/2012</a:t>
             </a:fld>
             <a:endParaRPr lang="en-US"/>
           </a:p>
@@ -1043,7 +1043,7 @@
             <a:fld id="{1D8BD707-D9CF-40AE-B4C6-C98DA3205C09}" type="datetimeFigureOut">
               <a:rPr lang="en-US" smtClean="0"/>
               <a:pPr/>
-              <a:t>4/13/2012</a:t>
+              <a:t>8/22/2012</a:t>
             </a:fld>
             <a:endParaRPr lang="en-US"/>
           </a:p>
@@ -1328,7 +1328,7 @@
             <a:fld id="{1D8BD707-D9CF-40AE-B4C6-C98DA3205C09}" type="datetimeFigureOut">
               <a:rPr lang="en-US" smtClean="0"/>
               <a:pPr/>
-              <a:t>4/13/2012</a:t>
+              <a:t>8/22/2012</a:t>
             </a:fld>
             <a:endParaRPr lang="en-US"/>
           </a:p>
@@ -1747,7 +1747,7 @@
             <a:fld id="{1D8BD707-D9CF-40AE-B4C6-C98DA3205C09}" type="datetimeFigureOut">
               <a:rPr lang="en-US" smtClean="0"/>
               <a:pPr/>
-              <a:t>4/13/2012</a:t>
+              <a:t>8/22/2012</a:t>
             </a:fld>
             <a:endParaRPr lang="en-US"/>
           </a:p>
@@ -1862,7 +1862,7 @@
             <a:fld id="{1D8BD707-D9CF-40AE-B4C6-C98DA3205C09}" type="datetimeFigureOut">
               <a:rPr lang="en-US" smtClean="0"/>
               <a:pPr/>
-              <a:t>4/13/2012</a:t>
+              <a:t>8/22/2012</a:t>
             </a:fld>
             <a:endParaRPr lang="en-US"/>
           </a:p>
@@ -1954,7 +1954,7 @@
             <a:fld id="{1D8BD707-D9CF-40AE-B4C6-C98DA3205C09}" type="datetimeFigureOut">
               <a:rPr lang="en-US" smtClean="0"/>
               <a:pPr/>
-              <a:t>4/13/2012</a:t>
+              <a:t>8/22/2012</a:t>
             </a:fld>
             <a:endParaRPr lang="en-US"/>
           </a:p>
@@ -2228,7 +2228,7 @@
             <a:fld id="{1D8BD707-D9CF-40AE-B4C6-C98DA3205C09}" type="datetimeFigureOut">
               <a:rPr lang="en-US" smtClean="0"/>
               <a:pPr/>
-              <a:t>4/13/2012</a:t>
+              <a:t>8/22/2012</a:t>
             </a:fld>
             <a:endParaRPr lang="en-US"/>
           </a:p>
@@ -2478,7 +2478,7 @@
             <a:fld id="{1D8BD707-D9CF-40AE-B4C6-C98DA3205C09}" type="datetimeFigureOut">
               <a:rPr lang="en-US" smtClean="0"/>
               <a:pPr/>
-              <a:t>4/13/2012</a:t>
+              <a:t>8/22/2012</a:t>
             </a:fld>
             <a:endParaRPr lang="en-US"/>
           </a:p>
@@ -2688,7 +2688,7 @@
             <a:fld id="{1D8BD707-D9CF-40AE-B4C6-C98DA3205C09}" type="datetimeFigureOut">
               <a:rPr lang="en-US" smtClean="0"/>
               <a:pPr/>
-              <a:t>4/13/2012</a:t>
+              <a:t>8/22/2012</a:t>
             </a:fld>
             <a:endParaRPr lang="en-US"/>
           </a:p>
@@ -3059,38 +3059,6 @@
           <a:chExt cx="0" cy="0"/>
         </a:xfrm>
       </p:grpSpPr>
-      <p:pic>
-        <p:nvPicPr>
-          <p:cNvPr id="28686" name="Picture 14"/>
-          <p:cNvPicPr>
-            <a:picLocks noChangeAspect="1" noChangeArrowheads="1"/>
-          </p:cNvPicPr>
-          <p:nvPr/>
-        </p:nvPicPr>
-        <p:blipFill>
-          <a:blip r:embed="rId3" cstate="print"/>
-          <a:srcRect/>
-          <a:stretch>
-            <a:fillRect/>
-          </a:stretch>
-        </p:blipFill>
-        <p:spPr bwMode="auto">
-          <a:xfrm>
-            <a:off x="3047417" y="1147666"/>
-            <a:ext cx="1519136" cy="979520"/>
-          </a:xfrm>
-          <a:prstGeom prst="rect">
-            <a:avLst/>
-          </a:prstGeom>
-          <a:noFill/>
-          <a:ln w="9525">
-            <a:noFill/>
-            <a:miter lim="800000"/>
-            <a:headEnd/>
-            <a:tailEnd/>
-          </a:ln>
-        </p:spPr>
-      </p:pic>
       <p:sp>
         <p:nvSpPr>
           <p:cNvPr id="36" name="Arc 35"/>
@@ -3099,13 +3067,13 @@
         </p:nvSpPr>
         <p:spPr>
           <a:xfrm rot="12160164">
-            <a:off x="1614391" y="3537372"/>
+            <a:off x="1726357" y="3350761"/>
             <a:ext cx="4700816" cy="2705883"/>
           </a:xfrm>
           <a:prstGeom prst="arc">
             <a:avLst>
               <a:gd name="adj1" fmla="val 1483961"/>
-              <a:gd name="adj2" fmla="val 2359464"/>
+              <a:gd name="adj2" fmla="val 2458275"/>
             </a:avLst>
           </a:prstGeom>
           <a:noFill/>
@@ -3146,7 +3114,7 @@
         </p:nvSpPr>
         <p:spPr>
           <a:xfrm rot="12160164">
-            <a:off x="1486861" y="3521814"/>
+            <a:off x="1598827" y="3335203"/>
             <a:ext cx="4700816" cy="2705883"/>
           </a:xfrm>
           <a:prstGeom prst="arc">
@@ -3194,12 +3162,12 @@
         </p:nvSpPr>
         <p:spPr>
           <a:xfrm rot="12160164">
-            <a:off x="1542847" y="3559138"/>
+            <a:off x="1654813" y="3372527"/>
             <a:ext cx="4700816" cy="2705883"/>
           </a:xfrm>
           <a:prstGeom prst="arc">
             <a:avLst>
-              <a:gd name="adj1" fmla="val 7264565"/>
+              <a:gd name="adj1" fmla="val 7191214"/>
               <a:gd name="adj2" fmla="val 9147649"/>
             </a:avLst>
           </a:prstGeom>
@@ -3233,914 +3201,448 @@
           </a:p>
         </p:txBody>
       </p:sp>
-      <p:sp>
-        <p:nvSpPr>
-          <p:cNvPr id="81" name="TextBox 80"/>
-          <p:cNvSpPr txBox="1"/>
+      <p:grpSp>
+        <p:nvGrpSpPr>
+          <p:cNvPr id="58" name="Group 57"/>
+          <p:cNvGrpSpPr/>
           <p:nvPr/>
-        </p:nvSpPr>
-        <p:spPr>
+        </p:nvGrpSpPr>
+        <p:grpSpPr>
           <a:xfrm>
-            <a:off x="2202024" y="2603241"/>
-            <a:ext cx="699797" cy="307777"/>
+            <a:off x="2267339" y="2316357"/>
+            <a:ext cx="3638939" cy="2694887"/>
+            <a:chOff x="2267339" y="2316357"/>
+            <a:chExt cx="3638939" cy="2694887"/>
           </a:xfrm>
-          <a:prstGeom prst="rect">
-            <a:avLst/>
-          </a:prstGeom>
-          <a:noFill/>
-        </p:spPr>
-        <p:txBody>
-          <a:bodyPr wrap="square" rtlCol="0">
-            <a:spAutoFit/>
-          </a:bodyPr>
-          <a:lstStyle/>
-          <a:p>
-            <a:r>
-              <a:rPr lang="en-US" sz="1400" dirty="0" smtClean="0">
+        </p:grpSpPr>
+        <p:sp>
+          <p:nvSpPr>
+            <p:cNvPr id="81" name="TextBox 80"/>
+            <p:cNvSpPr txBox="1"/>
+            <p:nvPr/>
+          </p:nvSpPr>
+          <p:spPr>
+            <a:xfrm>
+              <a:off x="2575248" y="2789855"/>
+              <a:ext cx="699797" cy="307777"/>
+            </a:xfrm>
+            <a:prstGeom prst="rect">
+              <a:avLst/>
+            </a:prstGeom>
+            <a:noFill/>
+          </p:spPr>
+          <p:txBody>
+            <a:bodyPr wrap="square" rtlCol="0">
+              <a:spAutoFit/>
+            </a:bodyPr>
+            <a:lstStyle/>
+            <a:p>
+              <a:r>
+                <a:rPr lang="en-US" sz="1400" dirty="0" smtClean="0">
+                  <a:latin typeface="Garamond" pitchFamily="18" charset="0"/>
+                </a:rPr>
+                <a:t>North</a:t>
+              </a:r>
+              <a:endParaRPr lang="en-US" sz="1400" dirty="0">
                 <a:latin typeface="Garamond" pitchFamily="18" charset="0"/>
-              </a:rPr>
-              <a:t>North</a:t>
-            </a:r>
-            <a:endParaRPr lang="en-US" sz="1400" dirty="0">
-              <a:latin typeface="Garamond" pitchFamily="18" charset="0"/>
-            </a:endParaRPr>
-          </a:p>
-        </p:txBody>
-      </p:sp>
-      <p:sp>
-        <p:nvSpPr>
-          <p:cNvPr id="64" name="TextBox 63"/>
-          <p:cNvSpPr txBox="1"/>
-          <p:nvPr/>
-        </p:nvSpPr>
-        <p:spPr>
-          <a:xfrm>
-            <a:off x="5001210" y="3116423"/>
-            <a:ext cx="559837" cy="307777"/>
-          </a:xfrm>
-          <a:prstGeom prst="rect">
-            <a:avLst/>
-          </a:prstGeom>
-          <a:noFill/>
-        </p:spPr>
-        <p:txBody>
-          <a:bodyPr wrap="square" rtlCol="0">
-            <a:spAutoFit/>
-          </a:bodyPr>
-          <a:lstStyle/>
-          <a:p>
-            <a:r>
-              <a:rPr lang="en-US" sz="1400" dirty="0" smtClean="0">
+              </a:endParaRPr>
+            </a:p>
+          </p:txBody>
+        </p:sp>
+        <p:sp>
+          <p:nvSpPr>
+            <p:cNvPr id="64" name="TextBox 63"/>
+            <p:cNvSpPr txBox="1"/>
+            <p:nvPr/>
+          </p:nvSpPr>
+          <p:spPr>
+            <a:xfrm>
+              <a:off x="5346441" y="2808514"/>
+              <a:ext cx="559837" cy="307777"/>
+            </a:xfrm>
+            <a:prstGeom prst="rect">
+              <a:avLst/>
+            </a:prstGeom>
+            <a:noFill/>
+          </p:spPr>
+          <p:txBody>
+            <a:bodyPr wrap="square" rtlCol="0">
+              <a:spAutoFit/>
+            </a:bodyPr>
+            <a:lstStyle/>
+            <a:p>
+              <a:r>
+                <a:rPr lang="en-US" sz="1400" dirty="0" smtClean="0">
+                  <a:latin typeface="Garamond" pitchFamily="18" charset="0"/>
+                </a:rPr>
+                <a:t>East</a:t>
+              </a:r>
+              <a:endParaRPr lang="en-US" sz="1400" dirty="0">
                 <a:latin typeface="Garamond" pitchFamily="18" charset="0"/>
-              </a:rPr>
-              <a:t>East</a:t>
-            </a:r>
-            <a:endParaRPr lang="en-US" sz="1400" dirty="0">
-              <a:latin typeface="Garamond" pitchFamily="18" charset="0"/>
-            </a:endParaRPr>
-          </a:p>
-        </p:txBody>
-      </p:sp>
-      <p:graphicFrame>
-        <p:nvGraphicFramePr>
-          <p:cNvPr id="15383" name="Object 23"/>
-          <p:cNvGraphicFramePr>
-            <a:graphicFrameLocks noChangeAspect="1"/>
-          </p:cNvGraphicFramePr>
-          <p:nvPr/>
-        </p:nvGraphicFramePr>
-        <p:xfrm>
-          <a:off x="2747283" y="2810877"/>
-          <a:ext cx="306388" cy="422275"/>
-        </p:xfrm>
-        <a:graphic>
-          <a:graphicData uri="http://schemas.openxmlformats.org/presentationml/2006/ole">
-            <p:oleObj spid="_x0000_s28677" name="Equation" r:id="rId4" imgW="164880" imgH="228600" progId="Equation.DSMT4">
-              <p:embed/>
-            </p:oleObj>
-          </a:graphicData>
-        </a:graphic>
-      </p:graphicFrame>
-      <p:graphicFrame>
-        <p:nvGraphicFramePr>
-          <p:cNvPr id="15384" name="Object 24"/>
-          <p:cNvGraphicFramePr>
-            <a:graphicFrameLocks noChangeAspect="1"/>
-          </p:cNvGraphicFramePr>
-          <p:nvPr/>
-        </p:nvGraphicFramePr>
-        <p:xfrm>
-          <a:off x="4670880" y="2897834"/>
-          <a:ext cx="330200" cy="422275"/>
-        </p:xfrm>
-        <a:graphic>
-          <a:graphicData uri="http://schemas.openxmlformats.org/presentationml/2006/ole">
-            <p:oleObj spid="_x0000_s28678" name="Equation" r:id="rId5" imgW="177480" imgH="228600" progId="Equation.DSMT4">
-              <p:embed/>
-            </p:oleObj>
-          </a:graphicData>
-        </a:graphic>
-      </p:graphicFrame>
-      <p:graphicFrame>
-        <p:nvGraphicFramePr>
-          <p:cNvPr id="15385" name="Object 25"/>
-          <p:cNvGraphicFramePr>
-            <a:graphicFrameLocks noChangeAspect="1"/>
-          </p:cNvGraphicFramePr>
-          <p:nvPr/>
-        </p:nvGraphicFramePr>
-        <p:xfrm>
-          <a:off x="3445427" y="4441209"/>
-          <a:ext cx="306387" cy="422275"/>
-        </p:xfrm>
-        <a:graphic>
-          <a:graphicData uri="http://schemas.openxmlformats.org/presentationml/2006/ole">
-            <p:oleObj spid="_x0000_s28679" name="Equation" r:id="rId6" imgW="164880" imgH="228600" progId="Equation.DSMT4">
-              <p:embed/>
-            </p:oleObj>
-          </a:graphicData>
-        </a:graphic>
-      </p:graphicFrame>
-      <p:graphicFrame>
-        <p:nvGraphicFramePr>
-          <p:cNvPr id="123" name="Object 122"/>
-          <p:cNvGraphicFramePr>
-            <a:graphicFrameLocks noChangeAspect="1"/>
-          </p:cNvGraphicFramePr>
-          <p:nvPr/>
-        </p:nvGraphicFramePr>
-        <p:xfrm>
-          <a:off x="3300770" y="3838445"/>
-          <a:ext cx="384175" cy="404813"/>
-        </p:xfrm>
-        <a:graphic>
-          <a:graphicData uri="http://schemas.openxmlformats.org/presentationml/2006/ole">
-            <p:oleObj spid="_x0000_s28674" name="Equation" r:id="rId7" imgW="241200" imgH="253800" progId="Equation.DSMT4">
-              <p:embed/>
-            </p:oleObj>
-          </a:graphicData>
-        </a:graphic>
-      </p:graphicFrame>
-      <p:cxnSp>
-        <p:nvCxnSpPr>
-          <p:cNvPr id="40" name="Straight Arrow Connector 39"/>
-          <p:cNvCxnSpPr>
-            <a:stCxn id="38" idx="3"/>
-          </p:cNvCxnSpPr>
-          <p:nvPr/>
-        </p:nvCxnSpPr>
-        <p:spPr>
-          <a:xfrm flipH="1">
-            <a:off x="3816222" y="3672413"/>
-            <a:ext cx="612282" cy="992893"/>
-          </a:xfrm>
-          <a:prstGeom prst="straightConnector1">
-            <a:avLst/>
-          </a:prstGeom>
-          <a:ln w="15875">
+              </a:endParaRPr>
+            </a:p>
+          </p:txBody>
+        </p:sp>
+        <p:graphicFrame>
+          <p:nvGraphicFramePr>
+            <p:cNvPr id="15383" name="Object 23"/>
+            <p:cNvGraphicFramePr>
+              <a:graphicFrameLocks noChangeAspect="1"/>
+            </p:cNvGraphicFramePr>
+            <p:nvPr/>
+          </p:nvGraphicFramePr>
+          <p:xfrm>
+            <a:off x="3223144" y="2316357"/>
+            <a:ext cx="306388" cy="422275"/>
+          </p:xfrm>
+          <a:graphic>
+            <a:graphicData uri="http://schemas.openxmlformats.org/presentationml/2006/ole">
+              <p:oleObj spid="_x0000_s28677" name="Equation" r:id="rId3" imgW="164880" imgH="228600" progId="Equation.DSMT4">
+                <p:embed/>
+              </p:oleObj>
+            </a:graphicData>
+          </a:graphic>
+        </p:graphicFrame>
+        <p:graphicFrame>
+          <p:nvGraphicFramePr>
+            <p:cNvPr id="15384" name="Object 24"/>
+            <p:cNvGraphicFramePr>
+              <a:graphicFrameLocks noChangeAspect="1"/>
+            </p:cNvGraphicFramePr>
+            <p:nvPr/>
+          </p:nvGraphicFramePr>
+          <p:xfrm>
+            <a:off x="5025442" y="2673901"/>
+            <a:ext cx="330200" cy="422275"/>
+          </p:xfrm>
+          <a:graphic>
+            <a:graphicData uri="http://schemas.openxmlformats.org/presentationml/2006/ole">
+              <p:oleObj spid="_x0000_s28678" name="Equation" r:id="rId4" imgW="177480" imgH="228600" progId="Equation.DSMT4">
+                <p:embed/>
+              </p:oleObj>
+            </a:graphicData>
+          </a:graphic>
+        </p:graphicFrame>
+        <p:graphicFrame>
+          <p:nvGraphicFramePr>
+            <p:cNvPr id="15385" name="Object 25"/>
+            <p:cNvGraphicFramePr>
+              <a:graphicFrameLocks noChangeAspect="1"/>
+            </p:cNvGraphicFramePr>
+            <p:nvPr/>
+          </p:nvGraphicFramePr>
+          <p:xfrm>
+            <a:off x="3548063" y="4030663"/>
+            <a:ext cx="306387" cy="422275"/>
+          </p:xfrm>
+          <a:graphic>
+            <a:graphicData uri="http://schemas.openxmlformats.org/presentationml/2006/ole">
+              <p:oleObj spid="_x0000_s28679" name="Equation" r:id="rId5" imgW="164880" imgH="228600" progId="Equation.DSMT4">
+                <p:embed/>
+              </p:oleObj>
+            </a:graphicData>
+          </a:graphic>
+        </p:graphicFrame>
+        <p:graphicFrame>
+          <p:nvGraphicFramePr>
+            <p:cNvPr id="123" name="Object 122"/>
+            <p:cNvGraphicFramePr>
+              <a:graphicFrameLocks noChangeAspect="1"/>
+            </p:cNvGraphicFramePr>
+            <p:nvPr/>
+          </p:nvGraphicFramePr>
+          <p:xfrm>
+            <a:off x="2795264" y="3666932"/>
+            <a:ext cx="776287" cy="376562"/>
+          </p:xfrm>
+          <a:graphic>
+            <a:graphicData uri="http://schemas.openxmlformats.org/presentationml/2006/ole">
+              <p:oleObj spid="_x0000_s28674" name="Equation" r:id="rId6" imgW="419040" imgH="203040" progId="Equation.DSMT4">
+                <p:embed/>
+              </p:oleObj>
+            </a:graphicData>
+          </a:graphic>
+        </p:graphicFrame>
+        <p:cxnSp>
+          <p:nvCxnSpPr>
+            <p:cNvPr id="40" name="Straight Arrow Connector 39"/>
+            <p:cNvCxnSpPr>
+              <a:stCxn id="38" idx="3"/>
+            </p:cNvCxnSpPr>
+            <p:nvPr/>
+          </p:nvCxnSpPr>
+          <p:spPr>
+            <a:xfrm flipH="1">
+              <a:off x="3928188" y="3457809"/>
+              <a:ext cx="612282" cy="992893"/>
+            </a:xfrm>
+            <a:prstGeom prst="straightConnector1">
+              <a:avLst/>
+            </a:prstGeom>
+            <a:ln w="15875">
+              <a:solidFill>
+                <a:schemeClr val="tx1"/>
+              </a:solidFill>
+              <a:tailEnd type="stealth" w="lg" len="med"/>
+            </a:ln>
+          </p:spPr>
+          <p:style>
+            <a:lnRef idx="1">
+              <a:schemeClr val="accent1"/>
+            </a:lnRef>
+            <a:fillRef idx="0">
+              <a:schemeClr val="accent1"/>
+            </a:fillRef>
+            <a:effectRef idx="0">
+              <a:schemeClr val="accent1"/>
+            </a:effectRef>
+            <a:fontRef idx="minor">
+              <a:schemeClr val="tx1"/>
+            </a:fontRef>
+          </p:style>
+        </p:cxnSp>
+        <p:sp>
+          <p:nvSpPr>
+            <p:cNvPr id="158" name="TextBox 157"/>
+            <p:cNvSpPr txBox="1"/>
+            <p:nvPr/>
+          </p:nvSpPr>
+          <p:spPr>
+            <a:xfrm>
+              <a:off x="2267339" y="3405671"/>
+              <a:ext cx="1838130" cy="307777"/>
+            </a:xfrm>
+            <a:prstGeom prst="rect">
+              <a:avLst/>
+            </a:prstGeom>
+            <a:noFill/>
+          </p:spPr>
+          <p:txBody>
+            <a:bodyPr wrap="square" rtlCol="0">
+              <a:spAutoFit/>
+            </a:bodyPr>
+            <a:lstStyle/>
+            <a:p>
+              <a:r>
+                <a:rPr lang="en-US" sz="1400" dirty="0" smtClean="0">
+                  <a:latin typeface="Garamond" pitchFamily="18" charset="0"/>
+                </a:rPr>
+                <a:t>Local tangent plane at</a:t>
+              </a:r>
+              <a:endParaRPr lang="en-US" sz="1400" dirty="0">
+                <a:latin typeface="Garamond" pitchFamily="18" charset="0"/>
+              </a:endParaRPr>
+            </a:p>
+          </p:txBody>
+        </p:sp>
+        <p:sp>
+          <p:nvSpPr>
+            <p:cNvPr id="39" name="Flowchart: Data 38"/>
+            <p:cNvSpPr/>
+            <p:nvPr/>
+          </p:nvSpPr>
+          <p:spPr>
+            <a:xfrm rot="12507116">
+              <a:off x="3166596" y="3009162"/>
+              <a:ext cx="2398841" cy="676636"/>
+            </a:xfrm>
+            <a:prstGeom prst="flowChartInputOutput">
+              <a:avLst/>
+            </a:prstGeom>
+            <a:solidFill>
+              <a:schemeClr val="bg1">
+                <a:lumMod val="85000"/>
+                <a:alpha val="55000"/>
+              </a:schemeClr>
+            </a:solidFill>
+            <a:ln w="15875">
+              <a:solidFill>
+                <a:schemeClr val="tx1"/>
+              </a:solidFill>
+              <a:tailEnd type="stealth" w="lg" len="med"/>
+            </a:ln>
+          </p:spPr>
+          <p:style>
+            <a:lnRef idx="1">
+              <a:schemeClr val="accent1"/>
+            </a:lnRef>
+            <a:fillRef idx="0">
+              <a:schemeClr val="accent1"/>
+            </a:fillRef>
+            <a:effectRef idx="0">
+              <a:schemeClr val="accent1"/>
+            </a:effectRef>
+            <a:fontRef idx="minor">
+              <a:schemeClr val="tx1"/>
+            </a:fontRef>
+          </p:style>
+          <p:txBody>
+            <a:bodyPr rtlCol="0" anchor="ctr"/>
+            <a:lstStyle/>
+            <a:p>
+              <a:pPr algn="ctr"/>
+              <a:endParaRPr lang="en-US"/>
+            </a:p>
+          </p:txBody>
+        </p:sp>
+        <p:sp>
+          <p:nvSpPr>
+            <p:cNvPr id="52" name="TextBox 51"/>
+            <p:cNvSpPr txBox="1"/>
+            <p:nvPr/>
+          </p:nvSpPr>
+          <p:spPr>
+            <a:xfrm>
+              <a:off x="3928187" y="4488024"/>
+              <a:ext cx="1442710" cy="523220"/>
+            </a:xfrm>
+            <a:prstGeom prst="rect">
+              <a:avLst/>
+            </a:prstGeom>
+            <a:noFill/>
+          </p:spPr>
+          <p:txBody>
+            <a:bodyPr wrap="square" rtlCol="0">
+              <a:spAutoFit/>
+            </a:bodyPr>
+            <a:lstStyle/>
+            <a:p>
+              <a:r>
+                <a:rPr lang="en-US" sz="1400" dirty="0" smtClean="0">
+                  <a:latin typeface="Garamond" pitchFamily="18" charset="0"/>
+                </a:rPr>
+                <a:t>Down, towards the Earth center</a:t>
+              </a:r>
+              <a:endParaRPr lang="en-US" sz="1400" dirty="0">
+                <a:latin typeface="Garamond" pitchFamily="18" charset="0"/>
+              </a:endParaRPr>
+            </a:p>
+          </p:txBody>
+        </p:sp>
+        <p:cxnSp>
+          <p:nvCxnSpPr>
+            <p:cNvPr id="41" name="Straight Arrow Connector 40"/>
+            <p:cNvCxnSpPr>
+              <a:stCxn id="38" idx="7"/>
+            </p:cNvCxnSpPr>
+            <p:nvPr/>
+          </p:nvCxnSpPr>
+          <p:spPr>
+            <a:xfrm flipV="1">
+              <a:off x="4604111" y="3125755"/>
+              <a:ext cx="471742" cy="268413"/>
+            </a:xfrm>
+            <a:prstGeom prst="straightConnector1">
+              <a:avLst/>
+            </a:prstGeom>
+            <a:ln w="15875">
+              <a:solidFill>
+                <a:schemeClr val="tx1"/>
+              </a:solidFill>
+              <a:tailEnd type="stealth" w="lg" len="med"/>
+            </a:ln>
+          </p:spPr>
+          <p:style>
+            <a:lnRef idx="1">
+              <a:schemeClr val="accent1"/>
+            </a:lnRef>
+            <a:fillRef idx="0">
+              <a:schemeClr val="accent1"/>
+            </a:fillRef>
+            <a:effectRef idx="0">
+              <a:schemeClr val="accent1"/>
+            </a:effectRef>
+            <a:fontRef idx="minor">
+              <a:schemeClr val="tx1"/>
+            </a:fontRef>
+          </p:style>
+        </p:cxnSp>
+        <p:cxnSp>
+          <p:nvCxnSpPr>
+            <p:cNvPr id="71" name="Straight Arrow Connector 70"/>
+            <p:cNvCxnSpPr>
+              <a:stCxn id="38" idx="1"/>
+            </p:cNvCxnSpPr>
+            <p:nvPr/>
+          </p:nvCxnSpPr>
+          <p:spPr>
+            <a:xfrm flipH="1" flipV="1">
+              <a:off x="3107096" y="2696548"/>
+              <a:ext cx="1433374" cy="697620"/>
+            </a:xfrm>
+            <a:prstGeom prst="straightConnector1">
+              <a:avLst/>
+            </a:prstGeom>
+            <a:ln w="15875">
+              <a:solidFill>
+                <a:schemeClr val="tx1"/>
+              </a:solidFill>
+              <a:tailEnd type="stealth" w="lg" len="med"/>
+            </a:ln>
+          </p:spPr>
+          <p:style>
+            <a:lnRef idx="1">
+              <a:schemeClr val="accent1"/>
+            </a:lnRef>
+            <a:fillRef idx="0">
+              <a:schemeClr val="accent1"/>
+            </a:fillRef>
+            <a:effectRef idx="0">
+              <a:schemeClr val="accent1"/>
+            </a:effectRef>
+            <a:fontRef idx="minor">
+              <a:schemeClr val="tx1"/>
+            </a:fontRef>
+          </p:style>
+        </p:cxnSp>
+        <p:sp>
+          <p:nvSpPr>
+            <p:cNvPr id="38" name="Oval 37"/>
+            <p:cNvSpPr/>
+            <p:nvPr/>
+          </p:nvSpPr>
+          <p:spPr>
+            <a:xfrm>
+              <a:off x="4527290" y="3380988"/>
+              <a:ext cx="90001" cy="90001"/>
+            </a:xfrm>
+            <a:prstGeom prst="ellipse">
+              <a:avLst/>
+            </a:prstGeom>
             <a:solidFill>
               <a:schemeClr val="tx1"/>
             </a:solidFill>
-            <a:tailEnd type="stealth" w="lg" len="med"/>
-          </a:ln>
-        </p:spPr>
-        <p:style>
-          <a:lnRef idx="1">
-            <a:schemeClr val="accent1"/>
-          </a:lnRef>
-          <a:fillRef idx="0">
-            <a:schemeClr val="accent1"/>
-          </a:fillRef>
-          <a:effectRef idx="0">
-            <a:schemeClr val="accent1"/>
-          </a:effectRef>
-          <a:fontRef idx="minor">
-            <a:schemeClr val="tx1"/>
-          </a:fontRef>
-        </p:style>
-      </p:cxnSp>
-      <p:sp>
-        <p:nvSpPr>
-          <p:cNvPr id="158" name="TextBox 157"/>
-          <p:cNvSpPr txBox="1"/>
-          <p:nvPr/>
-        </p:nvSpPr>
-        <p:spPr>
-          <a:xfrm>
-            <a:off x="2752532" y="3881531"/>
-            <a:ext cx="578498" cy="307777"/>
-          </a:xfrm>
-          <a:prstGeom prst="rect">
-            <a:avLst/>
-          </a:prstGeom>
-          <a:noFill/>
-        </p:spPr>
-        <p:txBody>
-          <a:bodyPr wrap="square" rtlCol="0">
-            <a:spAutoFit/>
-          </a:bodyPr>
-          <a:lstStyle/>
-          <a:p>
-            <a:r>
-              <a:rPr lang="en-US" sz="1400" dirty="0" smtClean="0">
-                <a:latin typeface="Garamond" pitchFamily="18" charset="0"/>
-              </a:rPr>
-              <a:t>NED </a:t>
-            </a:r>
-            <a:endParaRPr lang="en-US" sz="1400" dirty="0">
-              <a:latin typeface="Garamond" pitchFamily="18" charset="0"/>
-            </a:endParaRPr>
-          </a:p>
-        </p:txBody>
-      </p:sp>
-      <p:sp>
-        <p:nvSpPr>
-          <p:cNvPr id="39" name="Flowchart: Data 38"/>
-          <p:cNvSpPr/>
-          <p:nvPr/>
-        </p:nvSpPr>
-        <p:spPr>
-          <a:xfrm rot="12507116">
-            <a:off x="3054630" y="3223766"/>
-            <a:ext cx="2398841" cy="676636"/>
-          </a:xfrm>
-          <a:prstGeom prst="flowChartInputOutput">
-            <a:avLst/>
-          </a:prstGeom>
-          <a:solidFill>
-            <a:schemeClr val="bg1">
-              <a:lumMod val="85000"/>
-              <a:alpha val="55000"/>
-            </a:schemeClr>
-          </a:solidFill>
-          <a:ln w="15875">
-            <a:solidFill>
+            <a:ln w="25400">
+              <a:solidFill>
+                <a:schemeClr val="tx1"/>
+              </a:solidFill>
+              <a:tailEnd type="stealth" w="lg" len="med"/>
+            </a:ln>
+          </p:spPr>
+          <p:style>
+            <a:lnRef idx="1">
+              <a:schemeClr val="accent1"/>
+            </a:lnRef>
+            <a:fillRef idx="0">
+              <a:schemeClr val="accent1"/>
+            </a:fillRef>
+            <a:effectRef idx="0">
+              <a:schemeClr val="accent1"/>
+            </a:effectRef>
+            <a:fontRef idx="minor">
               <a:schemeClr val="tx1"/>
-            </a:solidFill>
-            <a:tailEnd type="stealth" w="lg" len="med"/>
-          </a:ln>
-        </p:spPr>
-        <p:style>
-          <a:lnRef idx="1">
-            <a:schemeClr val="accent1"/>
-          </a:lnRef>
-          <a:fillRef idx="0">
-            <a:schemeClr val="accent1"/>
-          </a:fillRef>
-          <a:effectRef idx="0">
-            <a:schemeClr val="accent1"/>
-          </a:effectRef>
-          <a:fontRef idx="minor">
-            <a:schemeClr val="tx1"/>
-          </a:fontRef>
-        </p:style>
-        <p:txBody>
-          <a:bodyPr rtlCol="0" anchor="ctr"/>
-          <a:lstStyle/>
-          <a:p>
-            <a:pPr algn="ctr"/>
-            <a:endParaRPr lang="en-US"/>
-          </a:p>
-        </p:txBody>
-      </p:sp>
-      <p:sp>
-        <p:nvSpPr>
-          <p:cNvPr id="52" name="TextBox 51"/>
-          <p:cNvSpPr txBox="1"/>
-          <p:nvPr/>
-        </p:nvSpPr>
-        <p:spPr>
-          <a:xfrm>
-            <a:off x="3816221" y="4674635"/>
-            <a:ext cx="1492900" cy="523220"/>
-          </a:xfrm>
-          <a:prstGeom prst="rect">
-            <a:avLst/>
-          </a:prstGeom>
-          <a:noFill/>
-        </p:spPr>
-        <p:txBody>
-          <a:bodyPr wrap="square" rtlCol="0">
-            <a:spAutoFit/>
-          </a:bodyPr>
-          <a:lstStyle/>
-          <a:p>
-            <a:r>
-              <a:rPr lang="en-US" sz="1400" dirty="0" smtClean="0">
-                <a:latin typeface="Garamond" pitchFamily="18" charset="0"/>
-              </a:rPr>
-              <a:t>Down, towards the Earth center</a:t>
-            </a:r>
-            <a:endParaRPr lang="en-US" sz="1400" dirty="0">
-              <a:latin typeface="Garamond" pitchFamily="18" charset="0"/>
-            </a:endParaRPr>
-          </a:p>
-        </p:txBody>
-      </p:sp>
-      <p:cxnSp>
-        <p:nvCxnSpPr>
-          <p:cNvPr id="41" name="Straight Arrow Connector 40"/>
-          <p:cNvCxnSpPr>
-            <a:stCxn id="38" idx="7"/>
-          </p:cNvCxnSpPr>
-          <p:nvPr/>
-        </p:nvCxnSpPr>
-        <p:spPr>
-          <a:xfrm flipV="1">
-            <a:off x="4492145" y="3340359"/>
-            <a:ext cx="471742" cy="268413"/>
-          </a:xfrm>
-          <a:prstGeom prst="straightConnector1">
-            <a:avLst/>
-          </a:prstGeom>
-          <a:ln w="15875">
-            <a:solidFill>
-              <a:schemeClr val="tx1"/>
-            </a:solidFill>
-            <a:tailEnd type="stealth" w="lg" len="med"/>
-          </a:ln>
-        </p:spPr>
-        <p:style>
-          <a:lnRef idx="1">
-            <a:schemeClr val="accent1"/>
-          </a:lnRef>
-          <a:fillRef idx="0">
-            <a:schemeClr val="accent1"/>
-          </a:fillRef>
-          <a:effectRef idx="0">
-            <a:schemeClr val="accent1"/>
-          </a:effectRef>
-          <a:fontRef idx="minor">
-            <a:schemeClr val="tx1"/>
-          </a:fontRef>
-        </p:style>
-      </p:cxnSp>
-      <p:cxnSp>
-        <p:nvCxnSpPr>
-          <p:cNvPr id="71" name="Straight Arrow Connector 70"/>
-          <p:cNvCxnSpPr>
-            <a:stCxn id="38" idx="1"/>
-          </p:cNvCxnSpPr>
-          <p:nvPr/>
-        </p:nvCxnSpPr>
-        <p:spPr>
-          <a:xfrm flipH="1" flipV="1">
-            <a:off x="2995130" y="2911152"/>
-            <a:ext cx="1433374" cy="697620"/>
-          </a:xfrm>
-          <a:prstGeom prst="straightConnector1">
-            <a:avLst/>
-          </a:prstGeom>
-          <a:ln w="15875">
-            <a:solidFill>
-              <a:schemeClr val="tx1"/>
-            </a:solidFill>
-            <a:tailEnd type="stealth" w="lg" len="med"/>
-          </a:ln>
-        </p:spPr>
-        <p:style>
-          <a:lnRef idx="1">
-            <a:schemeClr val="accent1"/>
-          </a:lnRef>
-          <a:fillRef idx="0">
-            <a:schemeClr val="accent1"/>
-          </a:fillRef>
-          <a:effectRef idx="0">
-            <a:schemeClr val="accent1"/>
-          </a:effectRef>
-          <a:fontRef idx="minor">
-            <a:schemeClr val="tx1"/>
-          </a:fontRef>
-        </p:style>
-      </p:cxnSp>
-      <p:sp>
-        <p:nvSpPr>
-          <p:cNvPr id="38" name="Oval 37"/>
-          <p:cNvSpPr/>
-          <p:nvPr/>
-        </p:nvSpPr>
-        <p:spPr>
-          <a:xfrm>
-            <a:off x="4415324" y="3595592"/>
-            <a:ext cx="90001" cy="90001"/>
-          </a:xfrm>
-          <a:prstGeom prst="ellipse">
-            <a:avLst/>
-          </a:prstGeom>
-          <a:solidFill>
-            <a:schemeClr val="tx1"/>
-          </a:solidFill>
-          <a:ln w="25400">
-            <a:solidFill>
-              <a:schemeClr val="tx1"/>
-            </a:solidFill>
-            <a:tailEnd type="stealth" w="lg" len="med"/>
-          </a:ln>
-        </p:spPr>
-        <p:style>
-          <a:lnRef idx="1">
-            <a:schemeClr val="accent1"/>
-          </a:lnRef>
-          <a:fillRef idx="0">
-            <a:schemeClr val="accent1"/>
-          </a:fillRef>
-          <a:effectRef idx="0">
-            <a:schemeClr val="accent1"/>
-          </a:effectRef>
-          <a:fontRef idx="minor">
-            <a:schemeClr val="tx1"/>
-          </a:fontRef>
-        </p:style>
-        <p:txBody>
-          <a:bodyPr rtlCol="0" anchor="ctr"/>
-          <a:lstStyle/>
-          <a:p>
-            <a:pPr algn="ctr"/>
-            <a:endParaRPr lang="en-US"/>
-          </a:p>
-        </p:txBody>
-      </p:sp>
-      <p:cxnSp>
-        <p:nvCxnSpPr>
-          <p:cNvPr id="62" name="Straight Arrow Connector 61"/>
-          <p:cNvCxnSpPr/>
-          <p:nvPr/>
-        </p:nvCxnSpPr>
-        <p:spPr>
-          <a:xfrm flipH="1" flipV="1">
-            <a:off x="2668556" y="905070"/>
-            <a:ext cx="1053931" cy="514118"/>
-          </a:xfrm>
-          <a:prstGeom prst="straightConnector1">
-            <a:avLst/>
-          </a:prstGeom>
-          <a:ln w="9525">
-            <a:solidFill>
-              <a:schemeClr val="tx1"/>
-            </a:solidFill>
-            <a:prstDash val="dash"/>
-            <a:tailEnd type="stealth" w="lg" len="med"/>
-          </a:ln>
-        </p:spPr>
-        <p:style>
-          <a:lnRef idx="1">
-            <a:schemeClr val="accent1"/>
-          </a:lnRef>
-          <a:fillRef idx="0">
-            <a:schemeClr val="accent1"/>
-          </a:fillRef>
-          <a:effectRef idx="0">
-            <a:schemeClr val="accent1"/>
-          </a:effectRef>
-          <a:fontRef idx="minor">
-            <a:schemeClr val="tx1"/>
-          </a:fontRef>
-        </p:style>
-      </p:cxnSp>
-      <p:sp>
-        <p:nvSpPr>
-          <p:cNvPr id="65" name="TextBox 64"/>
-          <p:cNvSpPr txBox="1"/>
-          <p:nvPr/>
-        </p:nvSpPr>
-        <p:spPr>
-          <a:xfrm>
-            <a:off x="3359019" y="1054358"/>
-            <a:ext cx="559837" cy="307777"/>
-          </a:xfrm>
-          <a:prstGeom prst="rect">
-            <a:avLst/>
-          </a:prstGeom>
-          <a:noFill/>
-        </p:spPr>
-        <p:txBody>
-          <a:bodyPr wrap="square" rtlCol="0">
-            <a:spAutoFit/>
-          </a:bodyPr>
-          <a:lstStyle/>
-          <a:p>
-            <a:r>
-              <a:rPr lang="en-US" sz="1400" dirty="0" smtClean="0">
-                <a:latin typeface="Garamond" pitchFamily="18" charset="0"/>
-              </a:rPr>
-              <a:t>CG</a:t>
-            </a:r>
-            <a:endParaRPr lang="en-US" sz="1400" dirty="0">
-              <a:latin typeface="Garamond" pitchFamily="18" charset="0"/>
-            </a:endParaRPr>
-          </a:p>
-        </p:txBody>
-      </p:sp>
-      <p:cxnSp>
-        <p:nvCxnSpPr>
-          <p:cNvPr id="67" name="Straight Arrow Connector 66"/>
-          <p:cNvCxnSpPr/>
-          <p:nvPr/>
-        </p:nvCxnSpPr>
-        <p:spPr>
-          <a:xfrm flipV="1">
-            <a:off x="3717703" y="1156996"/>
-            <a:ext cx="471742" cy="268413"/>
-          </a:xfrm>
-          <a:prstGeom prst="straightConnector1">
-            <a:avLst/>
-          </a:prstGeom>
-          <a:ln w="9525">
-            <a:solidFill>
-              <a:schemeClr val="tx1"/>
-            </a:solidFill>
-            <a:prstDash val="dash"/>
-            <a:tailEnd type="stealth" w="lg" len="med"/>
-          </a:ln>
-        </p:spPr>
-        <p:style>
-          <a:lnRef idx="1">
-            <a:schemeClr val="accent1"/>
-          </a:lnRef>
-          <a:fillRef idx="0">
-            <a:schemeClr val="accent1"/>
-          </a:fillRef>
-          <a:effectRef idx="0">
-            <a:schemeClr val="accent1"/>
-          </a:effectRef>
-          <a:fontRef idx="minor">
-            <a:schemeClr val="tx1"/>
-          </a:fontRef>
-        </p:style>
-      </p:cxnSp>
-      <p:cxnSp>
-        <p:nvCxnSpPr>
-          <p:cNvPr id="68" name="Straight Arrow Connector 67"/>
-          <p:cNvCxnSpPr/>
-          <p:nvPr/>
-        </p:nvCxnSpPr>
-        <p:spPr>
-          <a:xfrm flipH="1">
-            <a:off x="3107095" y="1395744"/>
-            <a:ext cx="612282" cy="992893"/>
-          </a:xfrm>
-          <a:prstGeom prst="straightConnector1">
-            <a:avLst/>
-          </a:prstGeom>
-          <a:ln w="9525">
-            <a:solidFill>
-              <a:schemeClr val="tx1"/>
-            </a:solidFill>
-            <a:prstDash val="dash"/>
-            <a:tailEnd type="stealth" w="lg" len="med"/>
-          </a:ln>
-        </p:spPr>
-        <p:style>
-          <a:lnRef idx="1">
-            <a:schemeClr val="accent1"/>
-          </a:lnRef>
-          <a:fillRef idx="0">
-            <a:schemeClr val="accent1"/>
-          </a:fillRef>
-          <a:effectRef idx="0">
-            <a:schemeClr val="accent1"/>
-          </a:effectRef>
-          <a:fontRef idx="minor">
-            <a:schemeClr val="tx1"/>
-          </a:fontRef>
-        </p:style>
-      </p:cxnSp>
-      <p:cxnSp>
-        <p:nvCxnSpPr>
-          <p:cNvPr id="69" name="Straight Arrow Connector 68"/>
-          <p:cNvCxnSpPr/>
-          <p:nvPr/>
-        </p:nvCxnSpPr>
-        <p:spPr>
-          <a:xfrm flipH="1">
-            <a:off x="2892490" y="1418254"/>
-            <a:ext cx="811765" cy="27991"/>
-          </a:xfrm>
-          <a:prstGeom prst="straightConnector1">
-            <a:avLst/>
-          </a:prstGeom>
-          <a:ln w="15875">
-            <a:solidFill>
-              <a:schemeClr val="tx1"/>
-            </a:solidFill>
-            <a:tailEnd type="stealth" w="lg" len="med"/>
-          </a:ln>
-        </p:spPr>
-        <p:style>
-          <a:lnRef idx="1">
-            <a:schemeClr val="accent1"/>
-          </a:lnRef>
-          <a:fillRef idx="0">
-            <a:schemeClr val="accent1"/>
-          </a:fillRef>
-          <a:effectRef idx="0">
-            <a:schemeClr val="accent1"/>
-          </a:effectRef>
-          <a:fontRef idx="minor">
-            <a:schemeClr val="tx1"/>
-          </a:fontRef>
-        </p:style>
-      </p:cxnSp>
-      <p:cxnSp>
-        <p:nvCxnSpPr>
-          <p:cNvPr id="75" name="Straight Arrow Connector 74"/>
-          <p:cNvCxnSpPr/>
-          <p:nvPr/>
-        </p:nvCxnSpPr>
-        <p:spPr>
-          <a:xfrm flipV="1">
-            <a:off x="3702152" y="1017037"/>
-            <a:ext cx="226036" cy="402153"/>
-          </a:xfrm>
-          <a:prstGeom prst="straightConnector1">
-            <a:avLst/>
-          </a:prstGeom>
-          <a:ln w="15875">
-            <a:solidFill>
-              <a:schemeClr val="tx1"/>
-            </a:solidFill>
-            <a:tailEnd type="stealth" w="lg" len="med"/>
-          </a:ln>
-        </p:spPr>
-        <p:style>
-          <a:lnRef idx="1">
-            <a:schemeClr val="accent1"/>
-          </a:lnRef>
-          <a:fillRef idx="0">
-            <a:schemeClr val="accent1"/>
-          </a:fillRef>
-          <a:effectRef idx="0">
-            <a:schemeClr val="accent1"/>
-          </a:effectRef>
-          <a:fontRef idx="minor">
-            <a:schemeClr val="tx1"/>
-          </a:fontRef>
-        </p:style>
-      </p:cxnSp>
-      <p:cxnSp>
-        <p:nvCxnSpPr>
-          <p:cNvPr id="77" name="Straight Arrow Connector 76"/>
-          <p:cNvCxnSpPr>
-            <a:endCxn id="28686" idx="2"/>
-          </p:cNvCxnSpPr>
-          <p:nvPr/>
-        </p:nvCxnSpPr>
-        <p:spPr>
-          <a:xfrm>
-            <a:off x="3722915" y="1408923"/>
-            <a:ext cx="84070" cy="718263"/>
-          </a:xfrm>
-          <a:prstGeom prst="straightConnector1">
-            <a:avLst/>
-          </a:prstGeom>
-          <a:ln w="15875">
-            <a:solidFill>
-              <a:schemeClr val="tx1"/>
-            </a:solidFill>
-            <a:tailEnd type="stealth" w="lg" len="med"/>
-          </a:ln>
-        </p:spPr>
-        <p:style>
-          <a:lnRef idx="1">
-            <a:schemeClr val="accent1"/>
-          </a:lnRef>
-          <a:fillRef idx="0">
-            <a:schemeClr val="accent1"/>
-          </a:fillRef>
-          <a:effectRef idx="0">
-            <a:schemeClr val="accent1"/>
-          </a:effectRef>
-          <a:fontRef idx="minor">
-            <a:schemeClr val="tx1"/>
-          </a:fontRef>
-        </p:style>
-      </p:cxnSp>
-      <p:graphicFrame>
-        <p:nvGraphicFramePr>
-          <p:cNvPr id="28687" name="Object 23"/>
-          <p:cNvGraphicFramePr>
-            <a:graphicFrameLocks noChangeAspect="1"/>
-          </p:cNvGraphicFramePr>
-          <p:nvPr/>
-        </p:nvGraphicFramePr>
-        <p:xfrm>
-          <a:off x="2415173" y="770457"/>
-          <a:ext cx="306387" cy="422275"/>
-        </p:xfrm>
-        <a:graphic>
-          <a:graphicData uri="http://schemas.openxmlformats.org/presentationml/2006/ole">
-            <p:oleObj spid="_x0000_s28687" name="Equation" r:id="rId8" imgW="164880" imgH="228600" progId="Equation.DSMT4">
-              <p:embed/>
-            </p:oleObj>
-          </a:graphicData>
-        </a:graphic>
-      </p:graphicFrame>
-      <p:graphicFrame>
-        <p:nvGraphicFramePr>
-          <p:cNvPr id="28689" name="Object 24"/>
-          <p:cNvGraphicFramePr>
-            <a:graphicFrameLocks noChangeAspect="1"/>
-          </p:cNvGraphicFramePr>
-          <p:nvPr/>
-        </p:nvGraphicFramePr>
-        <p:xfrm>
-          <a:off x="4188701" y="801850"/>
-          <a:ext cx="330200" cy="422275"/>
-        </p:xfrm>
-        <a:graphic>
-          <a:graphicData uri="http://schemas.openxmlformats.org/presentationml/2006/ole">
-            <p:oleObj spid="_x0000_s28689" name="Equation" r:id="rId9" imgW="177480" imgH="228600" progId="Equation.DSMT4">
-              <p:embed/>
-            </p:oleObj>
-          </a:graphicData>
-        </a:graphic>
-      </p:graphicFrame>
-      <p:graphicFrame>
-        <p:nvGraphicFramePr>
-          <p:cNvPr id="28690" name="Object 25"/>
-          <p:cNvGraphicFramePr>
-            <a:graphicFrameLocks noChangeAspect="1"/>
-          </p:cNvGraphicFramePr>
-          <p:nvPr/>
-        </p:nvGraphicFramePr>
-        <p:xfrm>
-          <a:off x="3112442" y="2242264"/>
-          <a:ext cx="306387" cy="422275"/>
-        </p:xfrm>
-        <a:graphic>
-          <a:graphicData uri="http://schemas.openxmlformats.org/presentationml/2006/ole">
-            <p:oleObj spid="_x0000_s28690" name="Equation" r:id="rId10" imgW="164880" imgH="228600" progId="Equation.DSMT4">
-              <p:embed/>
-            </p:oleObj>
-          </a:graphicData>
-        </a:graphic>
-      </p:graphicFrame>
-      <p:graphicFrame>
-        <p:nvGraphicFramePr>
-          <p:cNvPr id="82" name="Object 23"/>
-          <p:cNvGraphicFramePr>
-            <a:graphicFrameLocks noChangeAspect="1"/>
-          </p:cNvGraphicFramePr>
-          <p:nvPr/>
-        </p:nvGraphicFramePr>
-        <p:xfrm>
-          <a:off x="2508478" y="1248011"/>
-          <a:ext cx="318698" cy="439243"/>
-        </p:xfrm>
-        <a:graphic>
-          <a:graphicData uri="http://schemas.openxmlformats.org/presentationml/2006/ole">
-            <p:oleObj spid="_x0000_s28691" name="Equation" r:id="rId11" imgW="164880" imgH="228600" progId="Equation.DSMT4">
-              <p:embed/>
-            </p:oleObj>
-          </a:graphicData>
-        </a:graphic>
-      </p:graphicFrame>
-      <p:graphicFrame>
-        <p:nvGraphicFramePr>
-          <p:cNvPr id="83" name="Object 24"/>
-          <p:cNvGraphicFramePr>
-            <a:graphicFrameLocks noChangeAspect="1"/>
-          </p:cNvGraphicFramePr>
-          <p:nvPr/>
-        </p:nvGraphicFramePr>
-        <p:xfrm>
-          <a:off x="3759493" y="596577"/>
-          <a:ext cx="330200" cy="422275"/>
-        </p:xfrm>
-        <a:graphic>
-          <a:graphicData uri="http://schemas.openxmlformats.org/presentationml/2006/ole">
-            <p:oleObj spid="_x0000_s28692" name="Equation" r:id="rId12" imgW="177480" imgH="228600" progId="Equation.DSMT4">
-              <p:embed/>
-            </p:oleObj>
-          </a:graphicData>
-        </a:graphic>
-      </p:graphicFrame>
-      <p:graphicFrame>
-        <p:nvGraphicFramePr>
-          <p:cNvPr id="84" name="Object 25"/>
-          <p:cNvGraphicFramePr>
-            <a:graphicFrameLocks noChangeAspect="1"/>
-          </p:cNvGraphicFramePr>
-          <p:nvPr/>
-        </p:nvGraphicFramePr>
-        <p:xfrm>
-          <a:off x="3467004" y="1831717"/>
-          <a:ext cx="306387" cy="422275"/>
-        </p:xfrm>
-        <a:graphic>
-          <a:graphicData uri="http://schemas.openxmlformats.org/presentationml/2006/ole">
-            <p:oleObj spid="_x0000_s28693" name="Equation" r:id="rId13" imgW="164880" imgH="228600" progId="Equation.DSMT4">
-              <p:embed/>
-            </p:oleObj>
-          </a:graphicData>
-        </a:graphic>
-      </p:graphicFrame>
-      <p:sp>
-        <p:nvSpPr>
-          <p:cNvPr id="85" name="Oval 84"/>
-          <p:cNvSpPr/>
-          <p:nvPr/>
-        </p:nvSpPr>
-        <p:spPr>
-          <a:xfrm>
-            <a:off x="3681315" y="1368686"/>
-            <a:ext cx="90001" cy="90001"/>
-          </a:xfrm>
-          <a:prstGeom prst="ellipse">
-            <a:avLst/>
-          </a:prstGeom>
-          <a:solidFill>
-            <a:schemeClr val="tx1"/>
-          </a:solidFill>
-          <a:ln w="25400">
-            <a:solidFill>
-              <a:schemeClr val="tx1"/>
-            </a:solidFill>
-            <a:tailEnd type="stealth" w="lg" len="med"/>
-          </a:ln>
-        </p:spPr>
-        <p:style>
-          <a:lnRef idx="1">
-            <a:schemeClr val="accent1"/>
-          </a:lnRef>
-          <a:fillRef idx="0">
-            <a:schemeClr val="accent1"/>
-          </a:fillRef>
-          <a:effectRef idx="0">
-            <a:schemeClr val="accent1"/>
-          </a:effectRef>
-          <a:fontRef idx="minor">
-            <a:schemeClr val="tx1"/>
-          </a:fontRef>
-        </p:style>
-        <p:txBody>
-          <a:bodyPr rtlCol="0" anchor="ctr"/>
-          <a:lstStyle/>
-          <a:p>
-            <a:pPr algn="ctr"/>
-            <a:endParaRPr lang="en-US"/>
-          </a:p>
-        </p:txBody>
-      </p:sp>
-      <p:cxnSp>
-        <p:nvCxnSpPr>
-          <p:cNvPr id="86" name="Straight Arrow Connector 85"/>
-          <p:cNvCxnSpPr>
-            <a:stCxn id="38" idx="0"/>
-            <a:endCxn id="85" idx="5"/>
-          </p:cNvCxnSpPr>
-          <p:nvPr/>
-        </p:nvCxnSpPr>
-        <p:spPr>
-          <a:xfrm flipH="1" flipV="1">
-            <a:off x="3758136" y="1445507"/>
-            <a:ext cx="702189" cy="2150085"/>
-          </a:xfrm>
-          <a:prstGeom prst="straightConnector1">
-            <a:avLst/>
-          </a:prstGeom>
-          <a:ln w="15875">
-            <a:solidFill>
-              <a:schemeClr val="tx1"/>
-            </a:solidFill>
-            <a:tailEnd type="stealth" w="lg" len="med"/>
-          </a:ln>
-        </p:spPr>
-        <p:style>
-          <a:lnRef idx="1">
-            <a:schemeClr val="accent1"/>
-          </a:lnRef>
-          <a:fillRef idx="0">
-            <a:schemeClr val="accent1"/>
-          </a:fillRef>
-          <a:effectRef idx="0">
-            <a:schemeClr val="accent1"/>
-          </a:effectRef>
-          <a:fontRef idx="minor">
-            <a:schemeClr val="tx1"/>
-          </a:fontRef>
-        </p:style>
-      </p:cxnSp>
-      <p:graphicFrame>
-        <p:nvGraphicFramePr>
-          <p:cNvPr id="28694" name="Object 22"/>
-          <p:cNvGraphicFramePr>
-            <a:graphicFrameLocks noChangeAspect="1"/>
-          </p:cNvGraphicFramePr>
-          <p:nvPr/>
-        </p:nvGraphicFramePr>
-        <p:xfrm>
-          <a:off x="4198938" y="2303463"/>
-          <a:ext cx="211137" cy="234950"/>
-        </p:xfrm>
-        <a:graphic>
-          <a:graphicData uri="http://schemas.openxmlformats.org/presentationml/2006/ole">
-            <p:oleObj spid="_x0000_s28694" name="Equation" r:id="rId14" imgW="114120" imgH="126720" progId="Equation.DSMT4">
-              <p:embed/>
-            </p:oleObj>
-          </a:graphicData>
-        </a:graphic>
-      </p:graphicFrame>
+            </a:fontRef>
+          </p:style>
+          <p:txBody>
+            <a:bodyPr rtlCol="0" anchor="ctr"/>
+            <a:lstStyle/>
+            <a:p>
+              <a:pPr algn="ctr"/>
+              <a:endParaRPr lang="en-US"/>
+            </a:p>
+          </p:txBody>
+        </p:sp>
+      </p:grpSp>
     </p:spTree>
   </p:cSld>
   <p:clrMapOvr>
